--- a/서버 UML.pptx
+++ b/서버 UML.pptx
@@ -108,6 +108,14 @@
       </a:defRPr>
     </a:lvl9pPr>
   </p:defaultTextStyle>
+  <p:extLst>
+    <p:ext uri="{EFAFB233-063F-42B5-8137-9DF3F51BA10A}">
+      <p15:sldGuideLst xmlns:p15="http://schemas.microsoft.com/office/powerpoint/2012/main"/>
+    </p:ext>
+    <p:ext uri="{2D200454-40CA-4A62-9FC3-DE9A4176ACB9}">
+      <p15:notesGuideLst xmlns:p15="http://schemas.microsoft.com/office/powerpoint/2012/main"/>
+    </p:ext>
+  </p:extLst>
 </p:presentation>
 </file>
 
@@ -205,7 +213,7 @@
           <a:p>
             <a:fld id="{235F03C1-E000-4084-9FA3-BA437F4D9725}" type="datetimeFigureOut">
               <a:rPr lang="ko-KR" altLang="en-US" smtClean="0"/>
-              <a:t>2021-04-26</a:t>
+              <a:t>2021-05-01</a:t>
             </a:fld>
             <a:endParaRPr lang="ko-KR" altLang="en-US"/>
           </a:p>
@@ -431,7 +439,7 @@
           <a:p>
             <a:fld id="{4E74CF2F-3BFF-44DA-AAEF-7E71E04EB19E}" type="datetimeFigureOut">
               <a:rPr lang="ko-KR" altLang="en-US" smtClean="0"/>
-              <a:t>2021-04-26</a:t>
+              <a:t>2021-05-01</a:t>
             </a:fld>
             <a:endParaRPr lang="ko-KR" altLang="en-US"/>
           </a:p>
@@ -601,7 +609,7 @@
           <a:p>
             <a:fld id="{4E74CF2F-3BFF-44DA-AAEF-7E71E04EB19E}" type="datetimeFigureOut">
               <a:rPr lang="ko-KR" altLang="en-US" smtClean="0"/>
-              <a:t>2021-04-26</a:t>
+              <a:t>2021-05-01</a:t>
             </a:fld>
             <a:endParaRPr lang="ko-KR" altLang="en-US"/>
           </a:p>
@@ -781,7 +789,7 @@
           <a:p>
             <a:fld id="{4E74CF2F-3BFF-44DA-AAEF-7E71E04EB19E}" type="datetimeFigureOut">
               <a:rPr lang="ko-KR" altLang="en-US" smtClean="0"/>
-              <a:t>2021-04-26</a:t>
+              <a:t>2021-05-01</a:t>
             </a:fld>
             <a:endParaRPr lang="ko-KR" altLang="en-US"/>
           </a:p>
@@ -951,7 +959,7 @@
           <a:p>
             <a:fld id="{4E74CF2F-3BFF-44DA-AAEF-7E71E04EB19E}" type="datetimeFigureOut">
               <a:rPr lang="ko-KR" altLang="en-US" smtClean="0"/>
-              <a:t>2021-04-26</a:t>
+              <a:t>2021-05-01</a:t>
             </a:fld>
             <a:endParaRPr lang="ko-KR" altLang="en-US"/>
           </a:p>
@@ -1195,7 +1203,7 @@
           <a:p>
             <a:fld id="{4E74CF2F-3BFF-44DA-AAEF-7E71E04EB19E}" type="datetimeFigureOut">
               <a:rPr lang="ko-KR" altLang="en-US" smtClean="0"/>
-              <a:t>2021-04-26</a:t>
+              <a:t>2021-05-01</a:t>
             </a:fld>
             <a:endParaRPr lang="ko-KR" altLang="en-US"/>
           </a:p>
@@ -1427,7 +1435,7 @@
           <a:p>
             <a:fld id="{4E74CF2F-3BFF-44DA-AAEF-7E71E04EB19E}" type="datetimeFigureOut">
               <a:rPr lang="ko-KR" altLang="en-US" smtClean="0"/>
-              <a:t>2021-04-26</a:t>
+              <a:t>2021-05-01</a:t>
             </a:fld>
             <a:endParaRPr lang="ko-KR" altLang="en-US"/>
           </a:p>
@@ -1794,7 +1802,7 @@
           <a:p>
             <a:fld id="{4E74CF2F-3BFF-44DA-AAEF-7E71E04EB19E}" type="datetimeFigureOut">
               <a:rPr lang="ko-KR" altLang="en-US" smtClean="0"/>
-              <a:t>2021-04-26</a:t>
+              <a:t>2021-05-01</a:t>
             </a:fld>
             <a:endParaRPr lang="ko-KR" altLang="en-US"/>
           </a:p>
@@ -1912,7 +1920,7 @@
           <a:p>
             <a:fld id="{4E74CF2F-3BFF-44DA-AAEF-7E71E04EB19E}" type="datetimeFigureOut">
               <a:rPr lang="ko-KR" altLang="en-US" smtClean="0"/>
-              <a:t>2021-04-26</a:t>
+              <a:t>2021-05-01</a:t>
             </a:fld>
             <a:endParaRPr lang="ko-KR" altLang="en-US"/>
           </a:p>
@@ -2007,7 +2015,7 @@
           <a:p>
             <a:fld id="{4E74CF2F-3BFF-44DA-AAEF-7E71E04EB19E}" type="datetimeFigureOut">
               <a:rPr lang="ko-KR" altLang="en-US" smtClean="0"/>
-              <a:t>2021-04-26</a:t>
+              <a:t>2021-05-01</a:t>
             </a:fld>
             <a:endParaRPr lang="ko-KR" altLang="en-US"/>
           </a:p>
@@ -2284,7 +2292,7 @@
           <a:p>
             <a:fld id="{4E74CF2F-3BFF-44DA-AAEF-7E71E04EB19E}" type="datetimeFigureOut">
               <a:rPr lang="ko-KR" altLang="en-US" smtClean="0"/>
-              <a:t>2021-04-26</a:t>
+              <a:t>2021-05-01</a:t>
             </a:fld>
             <a:endParaRPr lang="ko-KR" altLang="en-US"/>
           </a:p>
@@ -2541,7 +2549,7 @@
           <a:p>
             <a:fld id="{4E74CF2F-3BFF-44DA-AAEF-7E71E04EB19E}" type="datetimeFigureOut">
               <a:rPr lang="ko-KR" altLang="en-US" smtClean="0"/>
-              <a:t>2021-04-26</a:t>
+              <a:t>2021-05-01</a:t>
             </a:fld>
             <a:endParaRPr lang="ko-KR" altLang="en-US"/>
           </a:p>
@@ -2754,7 +2762,7 @@
           <a:p>
             <a:fld id="{4E74CF2F-3BFF-44DA-AAEF-7E71E04EB19E}" type="datetimeFigureOut">
               <a:rPr lang="ko-KR" altLang="en-US" smtClean="0"/>
-              <a:t>2021-04-26</a:t>
+              <a:t>2021-05-01</a:t>
             </a:fld>
             <a:endParaRPr lang="ko-KR" altLang="en-US"/>
           </a:p>
@@ -4089,8 +4097,8 @@
         </p:nvSpPr>
         <p:spPr>
           <a:xfrm>
-            <a:off x="11506200" y="1104900"/>
-            <a:ext cx="7791450" cy="646331"/>
+            <a:off x="14154150" y="193710"/>
+            <a:ext cx="4533900" cy="1323439"/>
           </a:xfrm>
           <a:prstGeom prst="rect">
             <a:avLst/>
@@ -4103,14 +4111,14 @@
           </a:bodyPr>
           <a:lstStyle/>
           <a:p>
-            <a:endParaRPr lang="en-US" altLang="ko-KR" b="1" dirty="0">
+            <a:endParaRPr lang="en-US" altLang="ko-KR" sz="4000" b="1" dirty="0">
               <a:latin typeface="+mj-ea"/>
               <a:ea typeface="+mj-ea"/>
             </a:endParaRPr>
           </a:p>
           <a:p>
             <a:r>
-              <a:rPr lang="ko-KR" altLang="en-US" b="1" dirty="0">
+              <a:rPr lang="ko-KR" altLang="en-US" sz="4000" b="1" dirty="0">
                 <a:latin typeface="+mj-ea"/>
                 <a:ea typeface="+mj-ea"/>
               </a:rPr>
@@ -5308,8 +5316,8 @@
         </p:nvSpPr>
         <p:spPr>
           <a:xfrm>
-            <a:off x="14536340" y="1116387"/>
-            <a:ext cx="2321719" cy="646331"/>
+            <a:off x="13973908" y="833139"/>
+            <a:ext cx="3774831" cy="830997"/>
           </a:xfrm>
           <a:prstGeom prst="rect">
             <a:avLst/>
@@ -5323,27 +5331,27 @@
           <a:lstStyle/>
           <a:p>
             <a:r>
-              <a:rPr lang="en-US" altLang="ko-KR" sz="3600" b="1" dirty="0">
+              <a:rPr lang="en-US" altLang="ko-KR" sz="4800" b="1" dirty="0">
                 <a:latin typeface="+mj-ea"/>
                 <a:ea typeface="+mj-ea"/>
               </a:rPr>
               <a:t>In</a:t>
             </a:r>
             <a:r>
-              <a:rPr lang="ko-KR" altLang="en-US" sz="3600" b="1" dirty="0">
+              <a:rPr lang="ko-KR" altLang="en-US" sz="4800" b="1" dirty="0">
                 <a:latin typeface="+mj-ea"/>
                 <a:ea typeface="+mj-ea"/>
               </a:rPr>
               <a:t> </a:t>
             </a:r>
             <a:r>
-              <a:rPr lang="en-US" altLang="ko-KR" sz="3600" b="1" dirty="0">
+              <a:rPr lang="en-US" altLang="ko-KR" sz="4800" b="1" dirty="0">
                 <a:latin typeface="+mj-ea"/>
                 <a:ea typeface="+mj-ea"/>
               </a:rPr>
               <a:t>Game</a:t>
             </a:r>
-            <a:endParaRPr lang="ko-KR" altLang="en-US" sz="3600" b="1" dirty="0">
+            <a:endParaRPr lang="ko-KR" altLang="en-US" sz="4800" b="1" dirty="0">
               <a:latin typeface="+mj-ea"/>
               <a:ea typeface="+mj-ea"/>
             </a:endParaRPr>
